--- a/template.pptx
+++ b/template.pptx
@@ -128,6 +128,66 @@
       </p:grpSpPr>
       <p:sp>
         <p:nvSpPr>
+          <p:cNvPr id="8" name="Rectangle 7"/>
+          <p:cNvSpPr/>
+          <p:nvPr userDrawn="1"/>
+        </p:nvSpPr>
+        <p:spPr>
+          <a:xfrm>
+            <a:off x="0" y="376997"/>
+            <a:ext cx="12192000" cy="6129820"/>
+          </a:xfrm>
+          <a:prstGeom prst="rect">
+            <a:avLst/>
+          </a:prstGeom>
+          <a:gradFill flip="none" rotWithShape="1">
+            <a:gsLst>
+              <a:gs pos="0">
+                <a:srgbClr val="FFC000"/>
+              </a:gs>
+              <a:gs pos="15000">
+                <a:srgbClr val="FFC000"/>
+              </a:gs>
+              <a:gs pos="83000">
+                <a:srgbClr val="954ECA"/>
+              </a:gs>
+              <a:gs pos="100000">
+                <a:srgbClr val="7030A0"/>
+              </a:gs>
+            </a:gsLst>
+            <a:path path="circle">
+              <a:fillToRect l="50000" t="50000" r="50000" b="50000"/>
+            </a:path>
+            <a:tileRect/>
+          </a:gradFill>
+        </p:spPr>
+        <p:style>
+          <a:lnRef idx="2">
+            <a:schemeClr val="accent1">
+              <a:shade val="50000"/>
+            </a:schemeClr>
+          </a:lnRef>
+          <a:fillRef idx="1">
+            <a:schemeClr val="accent1"/>
+          </a:fillRef>
+          <a:effectRef idx="0">
+            <a:schemeClr val="accent1"/>
+          </a:effectRef>
+          <a:fontRef idx="minor">
+            <a:schemeClr val="lt1"/>
+          </a:fontRef>
+        </p:style>
+        <p:txBody>
+          <a:bodyPr rtlCol="0" anchor="ctr"/>
+          <a:lstStyle/>
+          <a:p>
+            <a:pPr algn="ctr"/>
+            <a:endParaRPr lang="en-US"/>
+          </a:p>
+        </p:txBody>
+      </p:sp>
+      <p:sp>
+        <p:nvSpPr>
           <p:cNvPr id="7" name="Title Placeholder 1"/>
           <p:cNvSpPr>
             <a:spLocks noGrp="1"/>
@@ -182,66 +242,6 @@
           </a:p>
         </p:txBody>
       </p:sp>
-      <p:sp>
-        <p:nvSpPr>
-          <p:cNvPr id="8" name="Rectangle 7"/>
-          <p:cNvSpPr/>
-          <p:nvPr userDrawn="1"/>
-        </p:nvSpPr>
-        <p:spPr>
-          <a:xfrm>
-            <a:off x="0" y="376997"/>
-            <a:ext cx="12192000" cy="6129820"/>
-          </a:xfrm>
-          <a:prstGeom prst="rect">
-            <a:avLst/>
-          </a:prstGeom>
-          <a:gradFill flip="none" rotWithShape="1">
-            <a:gsLst>
-              <a:gs pos="0">
-                <a:srgbClr val="FFC000"/>
-              </a:gs>
-              <a:gs pos="15000">
-                <a:srgbClr val="FFC000"/>
-              </a:gs>
-              <a:gs pos="83000">
-                <a:srgbClr val="954ECA"/>
-              </a:gs>
-              <a:gs pos="100000">
-                <a:srgbClr val="7030A0"/>
-              </a:gs>
-            </a:gsLst>
-            <a:path path="circle">
-              <a:fillToRect l="50000" t="50000" r="50000" b="50000"/>
-            </a:path>
-            <a:tileRect/>
-          </a:gradFill>
-        </p:spPr>
-        <p:style>
-          <a:lnRef idx="2">
-            <a:schemeClr val="accent1">
-              <a:shade val="50000"/>
-            </a:schemeClr>
-          </a:lnRef>
-          <a:fillRef idx="1">
-            <a:schemeClr val="accent1"/>
-          </a:fillRef>
-          <a:effectRef idx="0">
-            <a:schemeClr val="accent1"/>
-          </a:effectRef>
-          <a:fontRef idx="minor">
-            <a:schemeClr val="lt1"/>
-          </a:fontRef>
-        </p:style>
-        <p:txBody>
-          <a:bodyPr rtlCol="0" anchor="ctr"/>
-          <a:lstStyle/>
-          <a:p>
-            <a:pPr algn="ctr"/>
-            <a:endParaRPr lang="en-US"/>
-          </a:p>
-        </p:txBody>
-      </p:sp>
       <p:pic>
         <p:nvPicPr>
           <p:cNvPr id="9" name="Picture 8"/>
@@ -284,8 +284,8 @@
         </p:nvSpPr>
         <p:spPr>
           <a:xfrm>
-            <a:off x="795763" y="3256414"/>
-            <a:ext cx="2789237" cy="2988591"/>
+            <a:off x="795763" y="2626804"/>
+            <a:ext cx="2789237" cy="3618201"/>
           </a:xfrm>
         </p:spPr>
         <p:txBody>
@@ -349,141 +349,6 @@
               </a:effectLst>
               <a:latin typeface="Aparajita" panose="02020603050405020304" pitchFamily="18" charset="0"/>
               <a:cs typeface="Aparajita" panose="02020603050405020304" pitchFamily="18" charset="0"/>
-            </a:endParaRPr>
-          </a:p>
-        </p:txBody>
-      </p:sp>
-      <p:sp>
-        <p:nvSpPr>
-          <p:cNvPr id="16" name="TextBox 15"/>
-          <p:cNvSpPr txBox="1"/>
-          <p:nvPr userDrawn="1"/>
-        </p:nvSpPr>
-        <p:spPr>
-          <a:xfrm>
-            <a:off x="1" y="856829"/>
-            <a:ext cx="12191998" cy="646331"/>
-          </a:xfrm>
-          <a:prstGeom prst="rect">
-            <a:avLst/>
-          </a:prstGeom>
-          <a:noFill/>
-        </p:spPr>
-        <p:txBody>
-          <a:bodyPr wrap="square" rtlCol="0">
-            <a:spAutoFit/>
-          </a:bodyPr>
-          <a:lstStyle/>
-          <a:p>
-            <a:pPr algn="ctr"/>
-            <a:r>
-              <a:rPr lang="hi-IN" sz="3600" dirty="0">
-                <a:solidFill>
-                  <a:srgbClr val="0070C0"/>
-                </a:solidFill>
-                <a:latin typeface="Kokila" panose="020B0604020202020204" pitchFamily="34" charset="0"/>
-                <a:cs typeface="Kokila" panose="020B0604020202020204" pitchFamily="34" charset="0"/>
-              </a:rPr>
-              <a:t>श्रीमद्भागवतमहापुराणम्</a:t>
-            </a:r>
-            <a:endParaRPr lang="en-US" sz="3600" dirty="0">
-              <a:solidFill>
-                <a:srgbClr val="0070C0"/>
-              </a:solidFill>
-              <a:latin typeface="Kokila" panose="020B0604020202020204" pitchFamily="34" charset="0"/>
-              <a:cs typeface="Kokila" panose="020B0604020202020204" pitchFamily="34" charset="0"/>
-            </a:endParaRPr>
-          </a:p>
-        </p:txBody>
-      </p:sp>
-      <p:sp>
-        <p:nvSpPr>
-          <p:cNvPr id="17" name="TextBox 16"/>
-          <p:cNvSpPr txBox="1"/>
-          <p:nvPr userDrawn="1"/>
-        </p:nvSpPr>
-        <p:spPr>
-          <a:xfrm>
-            <a:off x="0" y="1380736"/>
-            <a:ext cx="12191999" cy="769441"/>
-          </a:xfrm>
-          <a:prstGeom prst="rect">
-            <a:avLst/>
-          </a:prstGeom>
-          <a:noFill/>
-        </p:spPr>
-        <p:txBody>
-          <a:bodyPr wrap="square" rtlCol="0">
-            <a:spAutoFit/>
-          </a:bodyPr>
-          <a:lstStyle/>
-          <a:p>
-            <a:pPr algn="ctr"/>
-            <a:r>
-              <a:rPr lang="hi-IN" sz="4400" b="1" dirty="0">
-                <a:ln>
-                  <a:noFill/>
-                </a:ln>
-                <a:solidFill>
-                  <a:srgbClr val="002060"/>
-                </a:solidFill>
-                <a:latin typeface="Kokila" panose="020B0604020202020204" pitchFamily="34" charset="0"/>
-                <a:cs typeface="Kokila" panose="020B0604020202020204" pitchFamily="34" charset="0"/>
-              </a:rPr>
-              <a:t>श्रीमद्भागवते महापुराणे पारमहंस्यां संहितायां </a:t>
-            </a:r>
-            <a:endParaRPr lang="en-US" sz="4400" b="1" dirty="0">
-              <a:ln>
-                <a:noFill/>
-              </a:ln>
-              <a:solidFill>
-                <a:srgbClr val="002060"/>
-              </a:solidFill>
-              <a:latin typeface="Kokila" panose="020B0604020202020204" pitchFamily="34" charset="0"/>
-              <a:cs typeface="Kokila" panose="020B0604020202020204" pitchFamily="34" charset="0"/>
-            </a:endParaRPr>
-          </a:p>
-        </p:txBody>
-      </p:sp>
-      <p:sp>
-        <p:nvSpPr>
-          <p:cNvPr id="18" name="TextBox 17"/>
-          <p:cNvSpPr txBox="1"/>
-          <p:nvPr userDrawn="1"/>
-        </p:nvSpPr>
-        <p:spPr>
-          <a:xfrm>
-            <a:off x="1" y="1900841"/>
-            <a:ext cx="12191998" cy="830997"/>
-          </a:xfrm>
-          <a:prstGeom prst="rect">
-            <a:avLst/>
-          </a:prstGeom>
-          <a:noFill/>
-        </p:spPr>
-        <p:txBody>
-          <a:bodyPr wrap="square" rtlCol="0">
-            <a:spAutoFit/>
-          </a:bodyPr>
-          <a:lstStyle/>
-          <a:p>
-            <a:pPr algn="ctr"/>
-            <a:r>
-              <a:rPr lang="hi-IN" sz="4800" dirty="0" smtClean="0">
-                <a:solidFill>
-                  <a:srgbClr val="FE0000"/>
-                </a:solidFill>
-                <a:latin typeface="Kokila" panose="020B0604020202020204" pitchFamily="34" charset="0"/>
-                <a:cs typeface="Kokila" panose="020B0604020202020204" pitchFamily="34" charset="0"/>
-              </a:rPr>
-              <a:t>दशमः स्कन्दः</a:t>
-            </a:r>
-            <a:endParaRPr lang="en-US" sz="4800" dirty="0">
-              <a:solidFill>
-                <a:srgbClr val="FE0000"/>
-              </a:solidFill>
-              <a:latin typeface="Kokila" panose="020B0604020202020204" pitchFamily="34" charset="0"/>
-              <a:cs typeface="Kokila" panose="020B0604020202020204" pitchFamily="34" charset="0"/>
             </a:endParaRPr>
           </a:p>
         </p:txBody>
@@ -566,6 +431,132 @@
           </a:prstGeom>
         </p:spPr>
       </p:pic>
+      <p:sp>
+        <p:nvSpPr>
+          <p:cNvPr id="13" name="Text Placeholder 19"/>
+          <p:cNvSpPr>
+            <a:spLocks noGrp="1"/>
+          </p:cNvSpPr>
+          <p:nvPr>
+            <p:ph type="body" sz="quarter" idx="13"/>
+          </p:nvPr>
+        </p:nvSpPr>
+        <p:spPr>
+          <a:xfrm>
+            <a:off x="1" y="1390951"/>
+            <a:ext cx="12191999" cy="701731"/>
+          </a:xfrm>
+          <a:noFill/>
+        </p:spPr>
+        <p:txBody>
+          <a:bodyPr wrap="square" rtlCol="0">
+            <a:spAutoFit/>
+          </a:bodyPr>
+          <a:lstStyle>
+            <a:lvl1pPr algn="ctr">
+              <a:defRPr lang="en-US" b="1" dirty="0" smtClean="0">
+                <a:ln>
+                  <a:noFill/>
+                </a:ln>
+                <a:solidFill>
+                  <a:srgbClr val="002060"/>
+                </a:solidFill>
+                <a:latin typeface="Kokila" panose="020B0604020202020204" pitchFamily="34" charset="0"/>
+                <a:cs typeface="Kokila" panose="020B0604020202020204" pitchFamily="34" charset="0"/>
+              </a:defRPr>
+            </a:lvl1pPr>
+          </a:lstStyle>
+          <a:p>
+            <a:pPr lvl="0" algn="ctr"/>
+            <a:r>
+              <a:rPr lang="en-US" dirty="0" smtClean="0"/>
+              <a:t>Click to edit Master text styles</a:t>
+            </a:r>
+          </a:p>
+        </p:txBody>
+      </p:sp>
+      <p:sp>
+        <p:nvSpPr>
+          <p:cNvPr id="14" name="Text Placeholder 19"/>
+          <p:cNvSpPr>
+            <a:spLocks noGrp="1"/>
+          </p:cNvSpPr>
+          <p:nvPr>
+            <p:ph type="body" sz="quarter" idx="14"/>
+          </p:nvPr>
+        </p:nvSpPr>
+        <p:spPr>
+          <a:xfrm>
+            <a:off x="1" y="1956677"/>
+            <a:ext cx="12191999" cy="775597"/>
+          </a:xfrm>
+          <a:noFill/>
+        </p:spPr>
+        <p:txBody>
+          <a:bodyPr wrap="square" rtlCol="0">
+            <a:spAutoFit/>
+          </a:bodyPr>
+          <a:lstStyle>
+            <a:lvl1pPr algn="ctr">
+              <a:defRPr lang="en-US" sz="4800" dirty="0" smtClean="0">
+                <a:solidFill>
+                  <a:srgbClr val="FE0000"/>
+                </a:solidFill>
+                <a:latin typeface="Kokila" panose="020B0604020202020204" pitchFamily="34" charset="0"/>
+                <a:cs typeface="Kokila" panose="020B0604020202020204" pitchFamily="34" charset="0"/>
+              </a:defRPr>
+            </a:lvl1pPr>
+          </a:lstStyle>
+          <a:p>
+            <a:pPr lvl="0" algn="ctr"/>
+            <a:r>
+              <a:rPr lang="en-US" dirty="0" smtClean="0"/>
+              <a:t>Click to edit Master text styles</a:t>
+            </a:r>
+          </a:p>
+        </p:txBody>
+      </p:sp>
+      <p:sp>
+        <p:nvSpPr>
+          <p:cNvPr id="17" name="Text Placeholder 19"/>
+          <p:cNvSpPr>
+            <a:spLocks noGrp="1"/>
+          </p:cNvSpPr>
+          <p:nvPr>
+            <p:ph type="body" sz="quarter" idx="15"/>
+          </p:nvPr>
+        </p:nvSpPr>
+        <p:spPr>
+          <a:xfrm>
+            <a:off x="-1" y="868884"/>
+            <a:ext cx="12191999" cy="604781"/>
+          </a:xfrm>
+          <a:noFill/>
+        </p:spPr>
+        <p:txBody>
+          <a:bodyPr wrap="square" rtlCol="0">
+            <a:spAutoFit/>
+          </a:bodyPr>
+          <a:lstStyle>
+            <a:lvl1pPr algn="ctr">
+              <a:defRPr lang="en-US" sz="3600" dirty="0" smtClean="0">
+                <a:solidFill>
+                  <a:srgbClr val="0070C0"/>
+                </a:solidFill>
+                <a:latin typeface="Kokila" panose="020B0604020202020204" pitchFamily="34" charset="0"/>
+                <a:cs typeface="Kokila" panose="020B0604020202020204" pitchFamily="34" charset="0"/>
+              </a:defRPr>
+            </a:lvl1pPr>
+          </a:lstStyle>
+          <a:p>
+            <a:pPr lvl="0" algn="ctr"/>
+            <a:r>
+              <a:rPr lang="en-US" dirty="0" smtClean="0"/>
+              <a:t>Click to edit Master text styles</a:t>
+            </a:r>
+          </a:p>
+        </p:txBody>
+      </p:sp>
     </p:spTree>
     <p:extLst>
       <p:ext uri="{BB962C8B-B14F-4D97-AF65-F5344CB8AC3E}">
@@ -3017,8 +3008,8 @@
         </p:nvSpPr>
         <p:spPr>
           <a:xfrm>
-            <a:off x="0" y="457200"/>
-            <a:ext cx="12192000" cy="5943600"/>
+            <a:off x="198782" y="457200"/>
+            <a:ext cx="11993217" cy="5943600"/>
           </a:xfrm>
           <a:prstGeom prst="rect">
             <a:avLst/>
